--- a/Titanic_Dataset.pptx
+++ b/Titanic_Dataset.pptx
@@ -445,7 +445,7 @@
             <a:round/>
             <a:extLst>
               <a:ext uri="{C807C97D-BFC1-408E-A445-0C87EB9F89A2}">
-                <ask:lineSketchStyleProps xmlns:ask="http://schemas.microsoft.com/office/drawing/2018/sketchyshapes" xmlns="" sd="1219033472">
+                <ask:lineSketchStyleProps xmlns:ask="http://schemas.microsoft.com/office/drawing/2018/sketchyshapes" sd="1219033472">
                   <a:prstGeom prst="rect">
                     <a:avLst/>
                   </a:prstGeom>
@@ -621,7 +621,7 @@
           <a:p>
             <a:fld id="{72345051-2045-45DA-935E-2E3CA1A69ADC}" type="datetimeFigureOut">
               <a:rPr lang="en-US" smtClean="0"/>
-              <a:t>5/3/2022</a:t>
+              <a:t>5/30/22</a:t>
             </a:fld>
             <a:endParaRPr lang="en-US" dirty="0"/>
           </a:p>
@@ -819,7 +819,7 @@
           <a:p>
             <a:fld id="{72345051-2045-45DA-935E-2E3CA1A69ADC}" type="datetimeFigureOut">
               <a:rPr lang="en-US" smtClean="0"/>
-              <a:t>5/3/2022</a:t>
+              <a:t>5/30/22</a:t>
             </a:fld>
             <a:endParaRPr lang="en-US"/>
           </a:p>
@@ -1027,7 +1027,7 @@
           <a:p>
             <a:fld id="{72345051-2045-45DA-935E-2E3CA1A69ADC}" type="datetimeFigureOut">
               <a:rPr lang="en-US" smtClean="0"/>
-              <a:t>5/3/2022</a:t>
+              <a:t>5/30/22</a:t>
             </a:fld>
             <a:endParaRPr lang="en-US"/>
           </a:p>
@@ -1249,7 +1249,7 @@
           <a:p>
             <a:fld id="{72345051-2045-45DA-935E-2E3CA1A69ADC}" type="datetimeFigureOut">
               <a:rPr lang="en-US" smtClean="0"/>
-              <a:t>5/3/2022</a:t>
+              <a:t>5/30/22</a:t>
             </a:fld>
             <a:endParaRPr lang="en-US"/>
           </a:p>
@@ -1899,7 +1899,7 @@
             <a:round/>
             <a:extLst>
               <a:ext uri="{C807C97D-BFC1-408E-A445-0C87EB9F89A2}">
-                <ask:lineSketchStyleProps xmlns:ask="http://schemas.microsoft.com/office/drawing/2018/sketchyshapes" xmlns="" sd="1219033472">
+                <ask:lineSketchStyleProps xmlns:ask="http://schemas.microsoft.com/office/drawing/2018/sketchyshapes" sd="1219033472">
                   <a:prstGeom prst="rect">
                     <a:avLst/>
                   </a:prstGeom>
@@ -2160,7 +2160,7 @@
           <a:p>
             <a:fld id="{72345051-2045-45DA-935E-2E3CA1A69ADC}" type="datetimeFigureOut">
               <a:rPr lang="en-US" smtClean="0"/>
-              <a:t>5/3/2022</a:t>
+              <a:t>5/30/22</a:t>
             </a:fld>
             <a:endParaRPr lang="en-US"/>
           </a:p>
@@ -2515,7 +2515,7 @@
             <a:round/>
             <a:extLst>
               <a:ext uri="{C807C97D-BFC1-408E-A445-0C87EB9F89A2}">
-                <ask:lineSketchStyleProps xmlns:ask="http://schemas.microsoft.com/office/drawing/2018/sketchyshapes" xmlns="" sd="1219033472">
+                <ask:lineSketchStyleProps xmlns:ask="http://schemas.microsoft.com/office/drawing/2018/sketchyshapes" sd="1219033472">
                   <a:prstGeom prst="rect">
                     <a:avLst/>
                   </a:prstGeom>
@@ -2763,7 +2763,7 @@
           <a:p>
             <a:fld id="{72345051-2045-45DA-935E-2E3CA1A69ADC}" type="datetimeFigureOut">
               <a:rPr lang="en-US" smtClean="0"/>
-              <a:t>5/3/2022</a:t>
+              <a:t>5/30/22</a:t>
             </a:fld>
             <a:endParaRPr lang="en-US"/>
           </a:p>
@@ -3413,7 +3413,7 @@
             <a:round/>
             <a:extLst>
               <a:ext uri="{C807C97D-BFC1-408E-A445-0C87EB9F89A2}">
-                <ask:lineSketchStyleProps xmlns:ask="http://schemas.microsoft.com/office/drawing/2018/sketchyshapes" xmlns="" sd="1219033472">
+                <ask:lineSketchStyleProps xmlns:ask="http://schemas.microsoft.com/office/drawing/2018/sketchyshapes" sd="1219033472">
                   <a:prstGeom prst="rect">
                     <a:avLst/>
                   </a:prstGeom>
@@ -3811,7 +3811,7 @@
           <a:p>
             <a:fld id="{72345051-2045-45DA-935E-2E3CA1A69ADC}" type="datetimeFigureOut">
               <a:rPr lang="en-US" smtClean="0"/>
-              <a:t>5/3/2022</a:t>
+              <a:t>5/30/22</a:t>
             </a:fld>
             <a:endParaRPr lang="en-US"/>
           </a:p>
@@ -4461,7 +4461,7 @@
             <a:round/>
             <a:extLst>
               <a:ext uri="{C807C97D-BFC1-408E-A445-0C87EB9F89A2}">
-                <ask:lineSketchStyleProps xmlns:ask="http://schemas.microsoft.com/office/drawing/2018/sketchyshapes" xmlns="" sd="1219033472">
+                <ask:lineSketchStyleProps xmlns:ask="http://schemas.microsoft.com/office/drawing/2018/sketchyshapes" sd="1219033472">
                   <a:prstGeom prst="rect">
                     <a:avLst/>
                   </a:prstGeom>
@@ -4595,7 +4595,7 @@
           <a:p>
             <a:fld id="{72345051-2045-45DA-935E-2E3CA1A69ADC}" type="datetimeFigureOut">
               <a:rPr lang="en-US" smtClean="0"/>
-              <a:t>5/3/2022</a:t>
+              <a:t>5/30/22</a:t>
             </a:fld>
             <a:endParaRPr lang="en-US"/>
           </a:p>
@@ -4950,7 +4950,7 @@
             <a:round/>
             <a:extLst>
               <a:ext uri="{C807C97D-BFC1-408E-A445-0C87EB9F89A2}">
-                <ask:lineSketchStyleProps xmlns:ask="http://schemas.microsoft.com/office/drawing/2018/sketchyshapes" xmlns="" sd="1219033472">
+                <ask:lineSketchStyleProps xmlns:ask="http://schemas.microsoft.com/office/drawing/2018/sketchyshapes" sd="1219033472">
                   <a:prstGeom prst="rect">
                     <a:avLst/>
                   </a:prstGeom>
@@ -5044,7 +5044,7 @@
           <a:p>
             <a:fld id="{72345051-2045-45DA-935E-2E3CA1A69ADC}" type="datetimeFigureOut">
               <a:rPr lang="en-US" smtClean="0"/>
-              <a:t>5/3/2022</a:t>
+              <a:t>5/30/22</a:t>
             </a:fld>
             <a:endParaRPr lang="en-US"/>
           </a:p>
@@ -5361,7 +5361,7 @@
           <a:p>
             <a:fld id="{72345051-2045-45DA-935E-2E3CA1A69ADC}" type="datetimeFigureOut">
               <a:rPr lang="en-US" smtClean="0"/>
-              <a:t>5/3/2022</a:t>
+              <a:t>5/30/22</a:t>
             </a:fld>
             <a:endParaRPr lang="en-US"/>
           </a:p>
@@ -5716,7 +5716,7 @@
             <a:round/>
             <a:extLst>
               <a:ext uri="{C807C97D-BFC1-408E-A445-0C87EB9F89A2}">
-                <ask:lineSketchStyleProps xmlns:ask="http://schemas.microsoft.com/office/drawing/2018/sketchyshapes" xmlns="" sd="1219033472">
+                <ask:lineSketchStyleProps xmlns:ask="http://schemas.microsoft.com/office/drawing/2018/sketchyshapes" sd="1219033472">
                   <a:prstGeom prst="rect">
                     <a:avLst/>
                   </a:prstGeom>
@@ -5989,7 +5989,7 @@
           <a:p>
             <a:fld id="{72345051-2045-45DA-935E-2E3CA1A69ADC}" type="datetimeFigureOut">
               <a:rPr lang="en-US" smtClean="0"/>
-              <a:t>5/3/2022</a:t>
+              <a:t>5/30/22</a:t>
             </a:fld>
             <a:endParaRPr lang="en-US"/>
           </a:p>
@@ -6344,7 +6344,7 @@
             <a:round/>
             <a:extLst>
               <a:ext uri="{C807C97D-BFC1-408E-A445-0C87EB9F89A2}">
-                <ask:lineSketchStyleProps xmlns:ask="http://schemas.microsoft.com/office/drawing/2018/sketchyshapes" xmlns="" sd="1219033472">
+                <ask:lineSketchStyleProps xmlns:ask="http://schemas.microsoft.com/office/drawing/2018/sketchyshapes" sd="1219033472">
                   <a:prstGeom prst="rect">
                     <a:avLst/>
                   </a:prstGeom>
@@ -6562,7 +6562,7 @@
           <a:p>
             <a:fld id="{72345051-2045-45DA-935E-2E3CA1A69ADC}" type="datetimeFigureOut">
               <a:rPr lang="en-US" smtClean="0"/>
-              <a:t>5/3/2022</a:t>
+              <a:t>5/30/22</a:t>
             </a:fld>
             <a:endParaRPr lang="en-US" dirty="0"/>
           </a:p>
@@ -7632,8 +7632,8 @@
         </p:blipFill>
         <p:spPr bwMode="auto">
           <a:xfrm>
-            <a:off x="20" y="-238115"/>
-            <a:ext cx="12191979" cy="6177658"/>
+            <a:off x="0" y="-238115"/>
+            <a:ext cx="12191999" cy="6177668"/>
           </a:xfrm>
           <a:custGeom>
             <a:avLst/>
@@ -8231,7 +8231,7 @@
             <a:round/>
             <a:extLst>
               <a:ext uri="{C807C97D-BFC1-408E-A445-0C87EB9F89A2}">
-                <ask:lineSketchStyleProps xmlns:ask="http://schemas.microsoft.com/office/drawing/2018/sketchyshapes" xmlns="" sd="1219033472">
+                <ask:lineSketchStyleProps xmlns:ask="http://schemas.microsoft.com/office/drawing/2018/sketchyshapes" sd="1219033472">
                   <a:prstGeom prst="rect">
                     <a:avLst/>
                   </a:prstGeom>
@@ -8265,6 +8265,52 @@
           <a:p>
             <a:pPr algn="ctr"/>
             <a:endParaRPr lang="en-US"/>
+          </a:p>
+        </p:txBody>
+      </p:sp>
+      <p:sp>
+        <p:nvSpPr>
+          <p:cNvPr id="3" name="TextBox 2">
+            <a:extLst>
+              <a:ext uri="{FF2B5EF4-FFF2-40B4-BE49-F238E27FC236}">
+                <a16:creationId xmlns:a16="http://schemas.microsoft.com/office/drawing/2014/main" id="{E3065AF1-2C4B-957A-4310-71C7265072A4}"/>
+              </a:ext>
+            </a:extLst>
+          </p:cNvPr>
+          <p:cNvSpPr txBox="1"/>
+          <p:nvPr/>
+        </p:nvSpPr>
+        <p:spPr>
+          <a:xfrm>
+            <a:off x="9746695" y="5939553"/>
+            <a:ext cx="2442257" cy="830997"/>
+          </a:xfrm>
+          <a:prstGeom prst="rect">
+            <a:avLst/>
+          </a:prstGeom>
+          <a:noFill/>
+        </p:spPr>
+        <p:txBody>
+          <a:bodyPr wrap="square" rtlCol="0">
+            <a:spAutoFit/>
+          </a:bodyPr>
+          <a:lstStyle/>
+          <a:p>
+            <a:r>
+              <a:rPr lang="en-US" sz="2400" dirty="0"/>
+              <a:t>Revan Thakkar     1001802099</a:t>
+            </a:r>
+          </a:p>
+          <a:p>
+            <a:r>
+              <a:rPr lang="en-US" sz="2400" dirty="0"/>
+              <a:t>DATA 3402-001      Dr. </a:t>
+            </a:r>
+            <a:r>
+              <a:rPr lang="en-US" sz="2400" dirty="0" err="1"/>
+              <a:t>Farbin</a:t>
+            </a:r>
+            <a:endParaRPr lang="en-US" sz="2400" dirty="0"/>
           </a:p>
         </p:txBody>
       </p:sp>
@@ -12014,14 +12060,14 @@
               <a:buNone/>
             </a:pPr>
             <a:r>
-              <a:rPr lang="en">
+              <a:rPr lang="en" dirty="0">
                 <a:solidFill>
                   <a:schemeClr val="bg1"/>
                 </a:solidFill>
               </a:rPr>
               <a:t>LOGISTIC REGRESSION</a:t>
             </a:r>
-            <a:endParaRPr>
+            <a:endParaRPr dirty="0">
               <a:solidFill>
                 <a:schemeClr val="bg1"/>
               </a:solidFill>
@@ -18641,8 +18687,8 @@
         </p:blipFill>
         <p:spPr>
           <a:xfrm>
-            <a:off x="732492" y="991496"/>
-            <a:ext cx="10195484" cy="2970903"/>
+            <a:off x="489709" y="1549950"/>
+            <a:ext cx="11212581" cy="2781781"/>
           </a:xfrm>
           <a:prstGeom prst="rect">
             <a:avLst/>
